--- a/Atliq Mart Sales & Promo Analysis.pptx
+++ b/Atliq Mart Sales & Promo Analysis.pptx
@@ -9073,7 +9073,7 @@
           <p:nvPr>
             <p:extLst>
               <p:ext uri="{D42A27DB-BD31-4B8C-83A1-F6EECF244321}">
-                <p14:modId xmlns:p14="http://schemas.microsoft.com/office/powerpoint/2010/main" val="2626930340"/>
+                <p14:modId xmlns:p14="http://schemas.microsoft.com/office/powerpoint/2010/main" val="3885668075"/>
               </p:ext>
             </p:extLst>
           </p:nvPr>
@@ -9246,7 +9246,7 @@
                     <a:p>
                       <a:pPr algn="ctr" fontAlgn="b"/>
                       <a:r>
-                        <a:rPr lang="en-IN" sz="1200" b="0" u="none" strike="noStrike">
+                        <a:rPr lang="en-IN" sz="1200" b="0" u="none" strike="noStrike" dirty="0">
                           <a:solidFill>
                             <a:srgbClr val="000000"/>
                           </a:solidFill>
@@ -9254,7 +9254,7 @@
                         </a:rPr>
                         <a:t>500 Cashback (74%)</a:t>
                       </a:r>
-                      <a:endParaRPr lang="en-IN" sz="1200" b="0" i="0" u="none" strike="noStrike">
+                      <a:endParaRPr lang="en-IN" sz="1200" b="0" i="0" u="none" strike="noStrike" dirty="0">
                         <a:solidFill>
                           <a:srgbClr val="000000"/>
                         </a:solidFill>
@@ -9349,7 +9349,25 @@
                           </a:solidFill>
                           <a:effectLst/>
                         </a:rPr>
-                        <a:t>50% Cashback (0.63%)</a:t>
+                        <a:t>50</a:t>
+                      </a:r>
+                      <a:r>
+                        <a:rPr lang="en-IN" sz="1200" b="0" u="none" strike="noStrike">
+                          <a:solidFill>
+                            <a:srgbClr val="000000"/>
+                          </a:solidFill>
+                          <a:effectLst/>
+                        </a:rPr>
+                        <a:t>% OFF </a:t>
+                      </a:r>
+                      <a:r>
+                        <a:rPr lang="en-IN" sz="1200" b="0" u="none" strike="noStrike" dirty="0">
+                          <a:solidFill>
+                            <a:srgbClr val="000000"/>
+                          </a:solidFill>
+                          <a:effectLst/>
+                        </a:rPr>
+                        <a:t>(0.63%)</a:t>
                       </a:r>
                       <a:endParaRPr lang="en-IN" sz="1200" b="0" i="0" u="none" strike="noStrike" dirty="0">
                         <a:solidFill>
